--- a/docs/From Manual to Automation (1).pptx
+++ b/docs/From Manual to Automation (1).pptx
@@ -3437,7 +3437,7 @@
           <a:p>
             <a:fld id="{872BFC85-49E4-447A-A7E3-16153CB2FE2A}" type="datetimeFigureOut">
               <a:rPr lang="en-US" smtClean="0"/>
-              <a:t>12/5/2023</a:t>
+              <a:t>12/25/2023</a:t>
             </a:fld>
             <a:endParaRPr lang="en-US" dirty="0"/>
           </a:p>
@@ -3614,7 +3614,7 @@
           <a:p>
             <a:fld id="{1071B50E-4C60-4F9E-B773-52059170945B}" type="datetimeFigureOut">
               <a:rPr lang="en-US" noProof="0" smtClean="0"/>
-              <a:t>12/5/2023</a:t>
+              <a:t>12/25/2023</a:t>
             </a:fld>
             <a:endParaRPr lang="en-US" noProof="0" dirty="0"/>
           </a:p>
@@ -20718,7 +20718,7 @@
           <a:lstStyle/>
           <a:p>
             <a:r>
-              <a:rPr lang="en-US"/>
+              <a:rPr lang="en-US" dirty="0" err="1"/>
               <a:t>Javascript</a:t>
             </a:r>
             <a:endParaRPr lang="en-US" dirty="0"/>
@@ -21334,36 +21334,6 @@
           </a:prstGeom>
         </p:spPr>
       </p:pic>
-      <p:pic>
-        <p:nvPicPr>
-          <p:cNvPr id="11" name="Picture 10">
-            <a:extLst>
-              <a:ext uri="{FF2B5EF4-FFF2-40B4-BE49-F238E27FC236}">
-                <a16:creationId xmlns:a16="http://schemas.microsoft.com/office/drawing/2014/main" id="{EDF0172C-8FB9-0D74-B7B5-76B3AD3A3FF3}"/>
-              </a:ext>
-            </a:extLst>
-          </p:cNvPr>
-          <p:cNvPicPr>
-            <a:picLocks noChangeAspect="1"/>
-          </p:cNvPicPr>
-          <p:nvPr/>
-        </p:nvPicPr>
-        <p:blipFill>
-          <a:blip r:embed="rId3"/>
-          <a:stretch>
-            <a:fillRect/>
-          </a:stretch>
-        </p:blipFill>
-        <p:spPr>
-          <a:xfrm>
-            <a:off x="6434424" y="3811462"/>
-            <a:ext cx="4372585" cy="1800476"/>
-          </a:xfrm>
-          <a:prstGeom prst="rect">
-            <a:avLst/>
-          </a:prstGeom>
-        </p:spPr>
-      </p:pic>
       <p:sp>
         <p:nvSpPr>
           <p:cNvPr id="12" name="TextBox 11">
@@ -21502,14 +21472,14 @@
           <p:nvPr/>
         </p:nvPicPr>
         <p:blipFill>
-          <a:blip r:embed="rId4"/>
+          <a:blip r:embed="rId3"/>
           <a:stretch>
             <a:fillRect/>
           </a:stretch>
         </p:blipFill>
         <p:spPr>
           <a:xfrm>
-            <a:off x="518678" y="3644900"/>
+            <a:off x="6408605" y="3998118"/>
             <a:ext cx="4353533" cy="1714739"/>
           </a:xfrm>
           <a:prstGeom prst="rect">
@@ -23851,13 +23821,8 @@
             </a:pPr>
             <a:r>
               <a:rPr lang="en-US" dirty="0"/>
-              <a:t>Test Cases - </a:t>
-            </a:r>
-            <a:r>
-              <a:rPr lang="en-US" dirty="0" err="1"/>
-              <a:t>ste</a:t>
-            </a:r>
-            <a:endParaRPr lang="en-US" dirty="0"/>
+              <a:t>Test Cases </a:t>
+            </a:r>
           </a:p>
           <a:p>
             <a:pPr marL="342900" indent="-342900">
@@ -29622,15 +29587,6 @@
 </file>
 
 <file path=customXml/item1.xml><?xml version="1.0" encoding="utf-8"?>
-<?mso-contentType ?>
-<FormTemplates xmlns="http://schemas.microsoft.com/sharepoint/v3/contenttype/forms">
-  <Display>DocumentLibraryForm</Display>
-  <Edit>DocumentLibraryForm</Edit>
-  <New>DocumentLibraryForm</New>
-</FormTemplates>
-</file>
-
-<file path=customXml/item2.xml><?xml version="1.0" encoding="utf-8"?>
 <ct:contentTypeSchema xmlns:ct="http://schemas.microsoft.com/office/2006/metadata/contentType" xmlns:ma="http://schemas.microsoft.com/office/2006/metadata/properties/metaAttributes" ct:_="" ma:_="" ma:contentTypeName="Document" ma:contentTypeID="0x01010079F111ED35F8CC479449609E8A0923A6" ma:contentTypeVersion="11" ma:contentTypeDescription="Create a new document." ma:contentTypeScope="" ma:versionID="96291512c1ee715ab617f4c07df79fc1">
   <xsd:schema xmlns:xsd="http://www.w3.org/2001/XMLSchema" xmlns:xs="http://www.w3.org/2001/XMLSchema" xmlns:p="http://schemas.microsoft.com/office/2006/metadata/properties" xmlns:ns2="71af3243-3dd4-4a8d-8c0d-dd76da1f02a5" xmlns:ns3="16c05727-aa75-4e4a-9b5f-8a80a1165891" targetNamespace="http://schemas.microsoft.com/office/2006/metadata/properties" ma:root="true" ma:fieldsID="8256c27c40ca5c40ce1cf6c44f0205df" ns2:_="" ns3:_="">
     <xsd:import namespace="71af3243-3dd4-4a8d-8c0d-dd76da1f02a5"/>
@@ -29841,6 +29797,15 @@
 </ct:contentTypeSchema>
 </file>
 
+<file path=customXml/item2.xml><?xml version="1.0" encoding="utf-8"?>
+<?mso-contentType ?>
+<FormTemplates xmlns="http://schemas.microsoft.com/sharepoint/v3/contenttype/forms">
+  <Display>DocumentLibraryForm</Display>
+  <Edit>DocumentLibraryForm</Edit>
+  <New>DocumentLibraryForm</New>
+</FormTemplates>
+</file>
+
 <file path=customXml/item3.xml><?xml version="1.0" encoding="utf-8"?>
 <p:properties xmlns:p="http://schemas.microsoft.com/office/2006/metadata/properties" xmlns:xsi="http://www.w3.org/2001/XMLSchema-instance" xmlns:pc="http://schemas.microsoft.com/office/infopath/2007/PartnerControls">
   <documentManagement>
@@ -29850,14 +29815,6 @@
 </file>
 
 <file path=customXml/itemProps1.xml><?xml version="1.0" encoding="utf-8"?>
-<ds:datastoreItem xmlns:ds="http://schemas.openxmlformats.org/officeDocument/2006/customXml" ds:itemID="{A80A5AF1-8C57-4290-936E-5FD27C957251}">
-  <ds:schemaRefs>
-    <ds:schemaRef ds:uri="http://schemas.microsoft.com/sharepoint/v3/contenttype/forms"/>
-  </ds:schemaRefs>
-</ds:datastoreItem>
-</file>
-
-<file path=customXml/itemProps2.xml><?xml version="1.0" encoding="utf-8"?>
 <ds:datastoreItem xmlns:ds="http://schemas.openxmlformats.org/officeDocument/2006/customXml" ds:itemID="{8F8919DE-9BD9-47A9-9F5D-16EBB9687974}">
   <ds:schemaRefs>
     <ds:schemaRef ds:uri="http://schemas.microsoft.com/office/2006/metadata/contentType"/>
@@ -29876,6 +29833,14 @@
 </ds:datastoreItem>
 </file>
 
+<file path=customXml/itemProps2.xml><?xml version="1.0" encoding="utf-8"?>
+<ds:datastoreItem xmlns:ds="http://schemas.openxmlformats.org/officeDocument/2006/customXml" ds:itemID="{A80A5AF1-8C57-4290-936E-5FD27C957251}">
+  <ds:schemaRefs>
+    <ds:schemaRef ds:uri="http://schemas.microsoft.com/sharepoint/v3/contenttype/forms"/>
+  </ds:schemaRefs>
+</ds:datastoreItem>
+</file>
+
 <file path=customXml/itemProps3.xml><?xml version="1.0" encoding="utf-8"?>
 <ds:datastoreItem xmlns:ds="http://schemas.openxmlformats.org/officeDocument/2006/customXml" ds:itemID="{C87F4215-C6BB-44A3-9A5E-9446E6835900}">
   <ds:schemaRefs>
